--- a/Prototypes/Block diagram.pptx
+++ b/Prototypes/Block diagram.pptx
@@ -104,6 +104,11 @@
       </a:defRPr>
     </a:lvl9pPr>
   </p:defaultTextStyle>
+  <p:extLst>
+    <p:ext uri="{EFAFB233-063F-42B5-8137-9DF3F51BA10A}">
+      <p15:sldGuideLst xmlns:p15="http://schemas.microsoft.com/office/powerpoint/2012/main"/>
+    </p:ext>
+  </p:extLst>
 </p:presentation>
 </file>
 
@@ -254,7 +259,7 @@
           <a:p>
             <a:fld id="{564670F8-CB70-C14F-80E5-E794AD08439A}" type="datetimeFigureOut">
               <a:rPr lang="fr-FR" smtClean="0"/>
-              <a:t>14/10/2018</a:t>
+              <a:t>27/11/2018</a:t>
             </a:fld>
             <a:endParaRPr lang="fr-FR"/>
           </a:p>
@@ -427,7 +432,7 @@
           <a:p>
             <a:fld id="{564670F8-CB70-C14F-80E5-E794AD08439A}" type="datetimeFigureOut">
               <a:rPr lang="fr-FR" smtClean="0"/>
-              <a:t>14/10/2018</a:t>
+              <a:t>27/11/2018</a:t>
             </a:fld>
             <a:endParaRPr lang="fr-FR"/>
           </a:p>
@@ -610,7 +615,7 @@
           <a:p>
             <a:fld id="{564670F8-CB70-C14F-80E5-E794AD08439A}" type="datetimeFigureOut">
               <a:rPr lang="fr-FR" smtClean="0"/>
-              <a:t>14/10/2018</a:t>
+              <a:t>27/11/2018</a:t>
             </a:fld>
             <a:endParaRPr lang="fr-FR"/>
           </a:p>
@@ -783,7 +788,7 @@
           <a:p>
             <a:fld id="{564670F8-CB70-C14F-80E5-E794AD08439A}" type="datetimeFigureOut">
               <a:rPr lang="fr-FR" smtClean="0"/>
-              <a:t>14/10/2018</a:t>
+              <a:t>27/11/2018</a:t>
             </a:fld>
             <a:endParaRPr lang="fr-FR"/>
           </a:p>
@@ -1061,7 +1066,7 @@
           <a:p>
             <a:fld id="{564670F8-CB70-C14F-80E5-E794AD08439A}" type="datetimeFigureOut">
               <a:rPr lang="fr-FR" smtClean="0"/>
-              <a:t>14/10/2018</a:t>
+              <a:t>27/11/2018</a:t>
             </a:fld>
             <a:endParaRPr lang="fr-FR"/>
           </a:p>
@@ -1276,7 +1281,7 @@
           <a:p>
             <a:fld id="{564670F8-CB70-C14F-80E5-E794AD08439A}" type="datetimeFigureOut">
               <a:rPr lang="fr-FR" smtClean="0"/>
-              <a:t>14/10/2018</a:t>
+              <a:t>27/11/2018</a:t>
             </a:fld>
             <a:endParaRPr lang="fr-FR"/>
           </a:p>
@@ -1644,7 +1649,7 @@
           <a:p>
             <a:fld id="{564670F8-CB70-C14F-80E5-E794AD08439A}" type="datetimeFigureOut">
               <a:rPr lang="fr-FR" smtClean="0"/>
-              <a:t>14/10/2018</a:t>
+              <a:t>27/11/2018</a:t>
             </a:fld>
             <a:endParaRPr lang="fr-FR"/>
           </a:p>
@@ -1785,7 +1790,7 @@
           <a:p>
             <a:fld id="{564670F8-CB70-C14F-80E5-E794AD08439A}" type="datetimeFigureOut">
               <a:rPr lang="fr-FR" smtClean="0"/>
-              <a:t>14/10/2018</a:t>
+              <a:t>27/11/2018</a:t>
             </a:fld>
             <a:endParaRPr lang="fr-FR"/>
           </a:p>
@@ -1898,7 +1903,7 @@
           <a:p>
             <a:fld id="{564670F8-CB70-C14F-80E5-E794AD08439A}" type="datetimeFigureOut">
               <a:rPr lang="fr-FR" smtClean="0"/>
-              <a:t>14/10/2018</a:t>
+              <a:t>27/11/2018</a:t>
             </a:fld>
             <a:endParaRPr lang="fr-FR"/>
           </a:p>
@@ -2187,7 +2192,7 @@
           <a:p>
             <a:fld id="{564670F8-CB70-C14F-80E5-E794AD08439A}" type="datetimeFigureOut">
               <a:rPr lang="fr-FR" smtClean="0"/>
-              <a:t>14/10/2018</a:t>
+              <a:t>27/11/2018</a:t>
             </a:fld>
             <a:endParaRPr lang="fr-FR"/>
           </a:p>
@@ -2478,7 +2483,7 @@
           <a:p>
             <a:fld id="{564670F8-CB70-C14F-80E5-E794AD08439A}" type="datetimeFigureOut">
               <a:rPr lang="fr-FR" smtClean="0"/>
-              <a:t>14/10/2018</a:t>
+              <a:t>27/11/2018</a:t>
             </a:fld>
             <a:endParaRPr lang="fr-FR"/>
           </a:p>
@@ -2694,7 +2699,7 @@
           <a:p>
             <a:fld id="{564670F8-CB70-C14F-80E5-E794AD08439A}" type="datetimeFigureOut">
               <a:rPr lang="fr-FR" smtClean="0"/>
-              <a:t>14/10/2018</a:t>
+              <a:t>27/11/2018</a:t>
             </a:fld>
             <a:endParaRPr lang="fr-FR"/>
           </a:p>
@@ -3125,7 +3130,199 @@
         </p:nvSpPr>
         <p:spPr>
           <a:xfrm>
-            <a:off x="1957390" y="1185868"/>
+            <a:off x="4600574" y="771530"/>
+            <a:ext cx="1843088" cy="828675"/>
+          </a:xfrm>
+          <a:prstGeom prst="roundRect">
+            <a:avLst/>
+          </a:prstGeom>
+          <a:ln/>
+        </p:spPr>
+        <p:style>
+          <a:lnRef idx="1">
+            <a:schemeClr val="accent3"/>
+          </a:lnRef>
+          <a:fillRef idx="2">
+            <a:schemeClr val="accent3"/>
+          </a:fillRef>
+          <a:effectRef idx="1">
+            <a:schemeClr val="accent3"/>
+          </a:effectRef>
+          <a:fontRef idx="minor">
+            <a:schemeClr val="dk1"/>
+          </a:fontRef>
+        </p:style>
+        <p:txBody>
+          <a:bodyPr rtlCol="0" anchor="ctr"/>
+          <a:lstStyle/>
+          <a:p>
+            <a:pPr algn="ctr"/>
+            <a:r>
+              <a:rPr lang="en-GB"/>
+              <a:t>Login</a:t>
+            </a:r>
+          </a:p>
+        </p:txBody>
+      </p:sp>
+      <p:sp>
+        <p:nvSpPr>
+          <p:cNvPr id="7" name="Rectangle à coins arrondis 6">
+            <a:extLst>
+              <a:ext uri="{FF2B5EF4-FFF2-40B4-BE49-F238E27FC236}">
+                <a16:creationId xmlns:a16="http://schemas.microsoft.com/office/drawing/2014/main" id="{4C36AF21-6F59-3141-9188-CEFF6AD0FC8C}"/>
+              </a:ext>
+            </a:extLst>
+          </p:cNvPr>
+          <p:cNvSpPr/>
+          <p:nvPr/>
+        </p:nvSpPr>
+        <p:spPr>
+          <a:xfrm>
+            <a:off x="7038977" y="5048245"/>
+            <a:ext cx="1843088" cy="828675"/>
+          </a:xfrm>
+          <a:prstGeom prst="roundRect">
+            <a:avLst/>
+          </a:prstGeom>
+          <a:ln/>
+        </p:spPr>
+        <p:style>
+          <a:lnRef idx="1">
+            <a:schemeClr val="accent2"/>
+          </a:lnRef>
+          <a:fillRef idx="2">
+            <a:schemeClr val="accent2"/>
+          </a:fillRef>
+          <a:effectRef idx="1">
+            <a:schemeClr val="accent2"/>
+          </a:effectRef>
+          <a:fontRef idx="minor">
+            <a:schemeClr val="dk1"/>
+          </a:fontRef>
+        </p:style>
+        <p:txBody>
+          <a:bodyPr rtlCol="0" anchor="ctr"/>
+          <a:lstStyle/>
+          <a:p>
+            <a:pPr algn="ctr"/>
+            <a:r>
+              <a:rPr lang="en-GB"/>
+              <a:t>Calendar Coach</a:t>
+            </a:r>
+          </a:p>
+        </p:txBody>
+      </p:sp>
+      <p:sp>
+        <p:nvSpPr>
+          <p:cNvPr id="8" name="Rectangle à coins arrondis 7">
+            <a:extLst>
+              <a:ext uri="{FF2B5EF4-FFF2-40B4-BE49-F238E27FC236}">
+                <a16:creationId xmlns:a16="http://schemas.microsoft.com/office/drawing/2014/main" id="{8306E246-A81F-4D42-9083-89698E6EDABC}"/>
+              </a:ext>
+            </a:extLst>
+          </p:cNvPr>
+          <p:cNvSpPr/>
+          <p:nvPr/>
+        </p:nvSpPr>
+        <p:spPr>
+          <a:xfrm>
+            <a:off x="7038977" y="3438525"/>
+            <a:ext cx="1843088" cy="828675"/>
+          </a:xfrm>
+          <a:prstGeom prst="roundRect">
+            <a:avLst/>
+          </a:prstGeom>
+          <a:ln/>
+        </p:spPr>
+        <p:style>
+          <a:lnRef idx="1">
+            <a:schemeClr val="accent2"/>
+          </a:lnRef>
+          <a:fillRef idx="2">
+            <a:schemeClr val="accent2"/>
+          </a:fillRef>
+          <a:effectRef idx="1">
+            <a:schemeClr val="accent2"/>
+          </a:effectRef>
+          <a:fontRef idx="minor">
+            <a:schemeClr val="dk1"/>
+          </a:fontRef>
+        </p:style>
+        <p:txBody>
+          <a:bodyPr rtlCol="0" anchor="ctr"/>
+          <a:lstStyle/>
+          <a:p>
+            <a:pPr algn="ctr"/>
+            <a:r>
+              <a:rPr lang="en-GB"/>
+              <a:t>Home Coach</a:t>
+            </a:r>
+          </a:p>
+        </p:txBody>
+      </p:sp>
+      <p:sp>
+        <p:nvSpPr>
+          <p:cNvPr id="9" name="Rectangle à coins arrondis 8">
+            <a:extLst>
+              <a:ext uri="{FF2B5EF4-FFF2-40B4-BE49-F238E27FC236}">
+                <a16:creationId xmlns:a16="http://schemas.microsoft.com/office/drawing/2014/main" id="{FA040279-1A94-EE49-9044-26A522554D1F}"/>
+              </a:ext>
+            </a:extLst>
+          </p:cNvPr>
+          <p:cNvSpPr/>
+          <p:nvPr/>
+        </p:nvSpPr>
+        <p:spPr>
+          <a:xfrm>
+            <a:off x="2228848" y="4919660"/>
+            <a:ext cx="1843088" cy="828675"/>
+          </a:xfrm>
+          <a:prstGeom prst="roundRect">
+            <a:avLst/>
+          </a:prstGeom>
+          <a:ln/>
+        </p:spPr>
+        <p:style>
+          <a:lnRef idx="1">
+            <a:schemeClr val="accent4"/>
+          </a:lnRef>
+          <a:fillRef idx="2">
+            <a:schemeClr val="accent4"/>
+          </a:fillRef>
+          <a:effectRef idx="1">
+            <a:schemeClr val="accent4"/>
+          </a:effectRef>
+          <a:fontRef idx="minor">
+            <a:schemeClr val="dk1"/>
+          </a:fontRef>
+        </p:style>
+        <p:txBody>
+          <a:bodyPr rtlCol="0" anchor="ctr"/>
+          <a:lstStyle/>
+          <a:p>
+            <a:pPr algn="ctr"/>
+            <a:r>
+              <a:rPr lang="en-GB"/>
+              <a:t>Calendar Player</a:t>
+            </a:r>
+          </a:p>
+        </p:txBody>
+      </p:sp>
+      <p:sp>
+        <p:nvSpPr>
+          <p:cNvPr id="10" name="Rectangle à coins arrondis 9">
+            <a:extLst>
+              <a:ext uri="{FF2B5EF4-FFF2-40B4-BE49-F238E27FC236}">
+                <a16:creationId xmlns:a16="http://schemas.microsoft.com/office/drawing/2014/main" id="{95DA57FC-82FE-3747-84FE-F308FA799959}"/>
+              </a:ext>
+            </a:extLst>
+          </p:cNvPr>
+          <p:cNvSpPr/>
+          <p:nvPr/>
+        </p:nvSpPr>
+        <p:spPr>
+          <a:xfrm>
+            <a:off x="2228848" y="3438526"/>
             <a:ext cx="1843088" cy="828675"/>
           </a:xfrm>
           <a:prstGeom prst="roundRect">
@@ -3157,18 +3354,18 @@
           <a:p>
             <a:pPr algn="ctr"/>
             <a:r>
-              <a:rPr lang="fr-FR" dirty="0"/>
-              <a:t>Login Player</a:t>
+              <a:rPr lang="en-GB"/>
+              <a:t>Home Player</a:t>
             </a:r>
           </a:p>
         </p:txBody>
       </p:sp>
       <p:sp>
         <p:nvSpPr>
-          <p:cNvPr id="5" name="Rectangle à coins arrondis 4">
-            <a:extLst>
-              <a:ext uri="{FF2B5EF4-FFF2-40B4-BE49-F238E27FC236}">
-                <a16:creationId xmlns:a16="http://schemas.microsoft.com/office/drawing/2014/main" id="{05445D3A-ED1E-CA4C-A970-F156FAE4F7C2}"/>
+          <p:cNvPr id="11" name="Rectangle à coins arrondis 10">
+            <a:extLst>
+              <a:ext uri="{FF2B5EF4-FFF2-40B4-BE49-F238E27FC236}">
+                <a16:creationId xmlns:a16="http://schemas.microsoft.com/office/drawing/2014/main" id="{4AB4E034-90F4-3C44-924D-01E4D2C4DFB9}"/>
               </a:ext>
             </a:extLst>
           </p:cNvPr>
@@ -3177,7 +3374,7 @@
         </p:nvSpPr>
         <p:spPr>
           <a:xfrm>
-            <a:off x="8253419" y="1185868"/>
+            <a:off x="4600574" y="2381249"/>
             <a:ext cx="1843088" cy="828675"/>
           </a:xfrm>
           <a:prstGeom prst="roundRect">
@@ -3187,13 +3384,13 @@
         </p:spPr>
         <p:style>
           <a:lnRef idx="1">
-            <a:schemeClr val="accent2"/>
+            <a:schemeClr val="accent3"/>
           </a:lnRef>
           <a:fillRef idx="2">
-            <a:schemeClr val="accent2"/>
+            <a:schemeClr val="accent3"/>
           </a:fillRef>
           <a:effectRef idx="1">
-            <a:schemeClr val="accent2"/>
+            <a:schemeClr val="accent3"/>
           </a:effectRef>
           <a:fontRef idx="minor">
             <a:schemeClr val="dk1"/>
@@ -3205,18 +3402,386 @@
           <a:p>
             <a:pPr algn="ctr"/>
             <a:r>
-              <a:rPr lang="fr-FR" dirty="0"/>
-              <a:t>Login Coach</a:t>
+              <a:rPr lang="en-GB"/>
+              <a:t>Chat</a:t>
             </a:r>
           </a:p>
         </p:txBody>
       </p:sp>
       <p:sp>
         <p:nvSpPr>
-          <p:cNvPr id="7" name="Rectangle à coins arrondis 6">
-            <a:extLst>
-              <a:ext uri="{FF2B5EF4-FFF2-40B4-BE49-F238E27FC236}">
-                <a16:creationId xmlns:a16="http://schemas.microsoft.com/office/drawing/2014/main" id="{4C36AF21-6F59-3141-9188-CEFF6AD0FC8C}"/>
+          <p:cNvPr id="33" name="ZoneTexte 32">
+            <a:extLst>
+              <a:ext uri="{FF2B5EF4-FFF2-40B4-BE49-F238E27FC236}">
+                <a16:creationId xmlns:a16="http://schemas.microsoft.com/office/drawing/2014/main" id="{430FE802-722C-094F-AA39-B957E685882C}"/>
+              </a:ext>
+            </a:extLst>
+          </p:cNvPr>
+          <p:cNvSpPr txBox="1"/>
+          <p:nvPr/>
+        </p:nvSpPr>
+        <p:spPr>
+          <a:xfrm>
+            <a:off x="4717342" y="1806061"/>
+            <a:ext cx="688009" cy="369332"/>
+          </a:xfrm>
+          <a:prstGeom prst="rect">
+            <a:avLst/>
+          </a:prstGeom>
+          <a:noFill/>
+        </p:spPr>
+        <p:txBody>
+          <a:bodyPr wrap="none" rtlCol="0">
+            <a:spAutoFit/>
+          </a:bodyPr>
+          <a:lstStyle/>
+          <a:p>
+            <a:r>
+              <a:rPr lang="en-GB"/>
+              <a:t>Login</a:t>
+            </a:r>
+          </a:p>
+        </p:txBody>
+      </p:sp>
+      <p:cxnSp>
+        <p:nvCxnSpPr>
+          <p:cNvPr id="17" name="Connecteur droit avec flèche 16">
+            <a:extLst>
+              <a:ext uri="{FF2B5EF4-FFF2-40B4-BE49-F238E27FC236}">
+                <a16:creationId xmlns:a16="http://schemas.microsoft.com/office/drawing/2014/main" id="{5944F9B7-FD36-D847-A485-BA5A7921FD74}"/>
+              </a:ext>
+            </a:extLst>
+          </p:cNvPr>
+          <p:cNvCxnSpPr>
+            <a:stCxn id="4" idx="2"/>
+            <a:endCxn id="11" idx="0"/>
+          </p:cNvCxnSpPr>
+          <p:nvPr/>
+        </p:nvCxnSpPr>
+        <p:spPr>
+          <a:xfrm>
+            <a:off x="5522118" y="1600205"/>
+            <a:ext cx="0" cy="781044"/>
+          </a:xfrm>
+          <a:prstGeom prst="straightConnector1">
+            <a:avLst/>
+          </a:prstGeom>
+          <a:ln>
+            <a:tailEnd type="triangle"/>
+          </a:ln>
+        </p:spPr>
+        <p:style>
+          <a:lnRef idx="2">
+            <a:schemeClr val="dk1"/>
+          </a:lnRef>
+          <a:fillRef idx="0">
+            <a:schemeClr val="dk1"/>
+          </a:fillRef>
+          <a:effectRef idx="1">
+            <a:schemeClr val="dk1"/>
+          </a:effectRef>
+          <a:fontRef idx="minor">
+            <a:schemeClr val="tx1"/>
+          </a:fontRef>
+        </p:style>
+      </p:cxnSp>
+      <p:cxnSp>
+        <p:nvCxnSpPr>
+          <p:cNvPr id="19" name="Connecteur droit avec flèche 18">
+            <a:extLst>
+              <a:ext uri="{FF2B5EF4-FFF2-40B4-BE49-F238E27FC236}">
+                <a16:creationId xmlns:a16="http://schemas.microsoft.com/office/drawing/2014/main" id="{57A0C6D2-A0B6-BF4F-9E4B-37D91123DE86}"/>
+              </a:ext>
+            </a:extLst>
+          </p:cNvPr>
+          <p:cNvCxnSpPr>
+            <a:cxnSpLocks/>
+            <a:stCxn id="11" idx="3"/>
+            <a:endCxn id="8" idx="0"/>
+          </p:cNvCxnSpPr>
+          <p:nvPr/>
+        </p:nvCxnSpPr>
+        <p:spPr>
+          <a:xfrm>
+            <a:off x="6443662" y="2795587"/>
+            <a:ext cx="1516859" cy="642938"/>
+          </a:xfrm>
+          <a:prstGeom prst="straightConnector1">
+            <a:avLst/>
+          </a:prstGeom>
+          <a:ln w="9525" cap="flat" cmpd="sng" algn="ctr">
+            <a:solidFill>
+              <a:schemeClr val="dk1"/>
+            </a:solidFill>
+            <a:prstDash val="dash"/>
+            <a:round/>
+            <a:headEnd type="stealth" w="lg" len="lg"/>
+            <a:tailEnd type="stealth" w="lg" len="lg"/>
+          </a:ln>
+        </p:spPr>
+        <p:style>
+          <a:lnRef idx="0">
+            <a:scrgbClr r="0" g="0" b="0"/>
+          </a:lnRef>
+          <a:fillRef idx="0">
+            <a:scrgbClr r="0" g="0" b="0"/>
+          </a:fillRef>
+          <a:effectRef idx="0">
+            <a:scrgbClr r="0" g="0" b="0"/>
+          </a:effectRef>
+          <a:fontRef idx="minor">
+            <a:schemeClr val="tx1"/>
+          </a:fontRef>
+        </p:style>
+      </p:cxnSp>
+      <p:cxnSp>
+        <p:nvCxnSpPr>
+          <p:cNvPr id="23" name="Connecteur droit avec flèche 22">
+            <a:extLst>
+              <a:ext uri="{FF2B5EF4-FFF2-40B4-BE49-F238E27FC236}">
+                <a16:creationId xmlns:a16="http://schemas.microsoft.com/office/drawing/2014/main" id="{FE8DC6C9-5EC6-5D42-BB6E-AD9526685E09}"/>
+              </a:ext>
+            </a:extLst>
+          </p:cNvPr>
+          <p:cNvCxnSpPr>
+            <a:cxnSpLocks/>
+            <a:stCxn id="10" idx="0"/>
+            <a:endCxn id="11" idx="1"/>
+          </p:cNvCxnSpPr>
+          <p:nvPr/>
+        </p:nvCxnSpPr>
+        <p:spPr>
+          <a:xfrm flipV="1">
+            <a:off x="3150392" y="2795587"/>
+            <a:ext cx="1450182" cy="642939"/>
+          </a:xfrm>
+          <a:prstGeom prst="straightConnector1">
+            <a:avLst/>
+          </a:prstGeom>
+          <a:ln w="9525" cap="flat" cmpd="sng" algn="ctr">
+            <a:solidFill>
+              <a:schemeClr val="dk1"/>
+            </a:solidFill>
+            <a:prstDash val="dash"/>
+            <a:round/>
+            <a:headEnd type="stealth" w="lg" len="lg"/>
+            <a:tailEnd type="stealth" w="lg" len="lg"/>
+          </a:ln>
+        </p:spPr>
+        <p:style>
+          <a:lnRef idx="0">
+            <a:scrgbClr r="0" g="0" b="0"/>
+          </a:lnRef>
+          <a:fillRef idx="0">
+            <a:scrgbClr r="0" g="0" b="0"/>
+          </a:fillRef>
+          <a:effectRef idx="0">
+            <a:scrgbClr r="0" g="0" b="0"/>
+          </a:effectRef>
+          <a:fontRef idx="minor">
+            <a:schemeClr val="tx1"/>
+          </a:fontRef>
+        </p:style>
+      </p:cxnSp>
+      <p:cxnSp>
+        <p:nvCxnSpPr>
+          <p:cNvPr id="50" name="Connecteur droit avec flèche 49">
+            <a:extLst>
+              <a:ext uri="{FF2B5EF4-FFF2-40B4-BE49-F238E27FC236}">
+                <a16:creationId xmlns:a16="http://schemas.microsoft.com/office/drawing/2014/main" id="{B616FD90-CD79-8348-ABE3-BD69076D3799}"/>
+              </a:ext>
+            </a:extLst>
+          </p:cNvPr>
+          <p:cNvCxnSpPr>
+            <a:cxnSpLocks/>
+            <a:stCxn id="10" idx="2"/>
+            <a:endCxn id="9" idx="0"/>
+          </p:cNvCxnSpPr>
+          <p:nvPr/>
+        </p:nvCxnSpPr>
+        <p:spPr>
+          <a:xfrm>
+            <a:off x="3150392" y="4267201"/>
+            <a:ext cx="0" cy="652459"/>
+          </a:xfrm>
+          <a:prstGeom prst="straightConnector1">
+            <a:avLst/>
+          </a:prstGeom>
+          <a:ln w="9525" cap="flat" cmpd="sng" algn="ctr">
+            <a:solidFill>
+              <a:schemeClr val="dk1"/>
+            </a:solidFill>
+            <a:prstDash val="dash"/>
+            <a:round/>
+            <a:headEnd type="stealth" w="lg" len="lg"/>
+            <a:tailEnd type="stealth" w="lg" len="lg"/>
+          </a:ln>
+        </p:spPr>
+        <p:style>
+          <a:lnRef idx="0">
+            <a:scrgbClr r="0" g="0" b="0"/>
+          </a:lnRef>
+          <a:fillRef idx="0">
+            <a:scrgbClr r="0" g="0" b="0"/>
+          </a:fillRef>
+          <a:effectRef idx="0">
+            <a:scrgbClr r="0" g="0" b="0"/>
+          </a:effectRef>
+          <a:fontRef idx="minor">
+            <a:schemeClr val="tx1"/>
+          </a:fontRef>
+        </p:style>
+      </p:cxnSp>
+      <p:cxnSp>
+        <p:nvCxnSpPr>
+          <p:cNvPr id="53" name="Connecteur droit avec flèche 52">
+            <a:extLst>
+              <a:ext uri="{FF2B5EF4-FFF2-40B4-BE49-F238E27FC236}">
+                <a16:creationId xmlns:a16="http://schemas.microsoft.com/office/drawing/2014/main" id="{977B468D-5A9A-594D-AD2D-9A328C1A1B28}"/>
+              </a:ext>
+            </a:extLst>
+          </p:cNvPr>
+          <p:cNvCxnSpPr>
+            <a:stCxn id="9" idx="3"/>
+            <a:endCxn id="11" idx="2"/>
+          </p:cNvCxnSpPr>
+          <p:nvPr/>
+        </p:nvCxnSpPr>
+        <p:spPr>
+          <a:xfrm flipV="1">
+            <a:off x="4071936" y="3209924"/>
+            <a:ext cx="1450182" cy="2124074"/>
+          </a:xfrm>
+          <a:prstGeom prst="straightConnector1">
+            <a:avLst/>
+          </a:prstGeom>
+          <a:ln w="9525" cap="flat" cmpd="sng" algn="ctr">
+            <a:solidFill>
+              <a:schemeClr val="dk1"/>
+            </a:solidFill>
+            <a:prstDash val="dash"/>
+            <a:round/>
+            <a:headEnd type="stealth" w="lg" len="lg"/>
+            <a:tailEnd type="stealth" w="lg" len="lg"/>
+          </a:ln>
+        </p:spPr>
+        <p:style>
+          <a:lnRef idx="0">
+            <a:scrgbClr r="0" g="0" b="0"/>
+          </a:lnRef>
+          <a:fillRef idx="0">
+            <a:scrgbClr r="0" g="0" b="0"/>
+          </a:fillRef>
+          <a:effectRef idx="0">
+            <a:scrgbClr r="0" g="0" b="0"/>
+          </a:effectRef>
+          <a:fontRef idx="minor">
+            <a:schemeClr val="tx1"/>
+          </a:fontRef>
+        </p:style>
+      </p:cxnSp>
+      <p:cxnSp>
+        <p:nvCxnSpPr>
+          <p:cNvPr id="59" name="Connecteur droit avec flèche 58">
+            <a:extLst>
+              <a:ext uri="{FF2B5EF4-FFF2-40B4-BE49-F238E27FC236}">
+                <a16:creationId xmlns:a16="http://schemas.microsoft.com/office/drawing/2014/main" id="{29D342EC-6C21-E241-A3D1-12C5F4008470}"/>
+              </a:ext>
+            </a:extLst>
+          </p:cNvPr>
+          <p:cNvCxnSpPr>
+            <a:stCxn id="8" idx="2"/>
+            <a:endCxn id="7" idx="0"/>
+          </p:cNvCxnSpPr>
+          <p:nvPr/>
+        </p:nvCxnSpPr>
+        <p:spPr>
+          <a:xfrm>
+            <a:off x="7960521" y="4267200"/>
+            <a:ext cx="0" cy="781045"/>
+          </a:xfrm>
+          <a:prstGeom prst="straightConnector1">
+            <a:avLst/>
+          </a:prstGeom>
+          <a:ln w="9525" cap="flat" cmpd="sng" algn="ctr">
+            <a:solidFill>
+              <a:schemeClr val="dk1"/>
+            </a:solidFill>
+            <a:prstDash val="dash"/>
+            <a:round/>
+            <a:headEnd type="stealth" w="lg" len="lg"/>
+            <a:tailEnd type="stealth" w="lg" len="lg"/>
+          </a:ln>
+        </p:spPr>
+        <p:style>
+          <a:lnRef idx="0">
+            <a:scrgbClr r="0" g="0" b="0"/>
+          </a:lnRef>
+          <a:fillRef idx="0">
+            <a:scrgbClr r="0" g="0" b="0"/>
+          </a:fillRef>
+          <a:effectRef idx="0">
+            <a:scrgbClr r="0" g="0" b="0"/>
+          </a:effectRef>
+          <a:fontRef idx="minor">
+            <a:schemeClr val="tx1"/>
+          </a:fontRef>
+        </p:style>
+      </p:cxnSp>
+      <p:cxnSp>
+        <p:nvCxnSpPr>
+          <p:cNvPr id="61" name="Connecteur droit avec flèche 60">
+            <a:extLst>
+              <a:ext uri="{FF2B5EF4-FFF2-40B4-BE49-F238E27FC236}">
+                <a16:creationId xmlns:a16="http://schemas.microsoft.com/office/drawing/2014/main" id="{D87ED9F1-2DE9-9E49-AD4A-886F9AB28545}"/>
+              </a:ext>
+            </a:extLst>
+          </p:cNvPr>
+          <p:cNvCxnSpPr>
+            <a:stCxn id="7" idx="1"/>
+            <a:endCxn id="11" idx="2"/>
+          </p:cNvCxnSpPr>
+          <p:nvPr/>
+        </p:nvCxnSpPr>
+        <p:spPr>
+          <a:xfrm flipH="1" flipV="1">
+            <a:off x="5522118" y="3209924"/>
+            <a:ext cx="1516859" cy="2252659"/>
+          </a:xfrm>
+          <a:prstGeom prst="straightConnector1">
+            <a:avLst/>
+          </a:prstGeom>
+          <a:ln w="9525" cap="flat" cmpd="sng" algn="ctr">
+            <a:solidFill>
+              <a:schemeClr val="dk1"/>
+            </a:solidFill>
+            <a:prstDash val="dash"/>
+            <a:round/>
+            <a:headEnd type="stealth" w="lg" len="lg"/>
+            <a:tailEnd type="stealth" w="lg" len="lg"/>
+          </a:ln>
+        </p:spPr>
+        <p:style>
+          <a:lnRef idx="0">
+            <a:scrgbClr r="0" g="0" b="0"/>
+          </a:lnRef>
+          <a:fillRef idx="0">
+            <a:scrgbClr r="0" g="0" b="0"/>
+          </a:fillRef>
+          <a:effectRef idx="0">
+            <a:scrgbClr r="0" g="0" b="0"/>
+          </a:effectRef>
+          <a:fontRef idx="minor">
+            <a:schemeClr val="tx1"/>
+          </a:fontRef>
+        </p:style>
+      </p:cxnSp>
+      <p:sp>
+        <p:nvSpPr>
+          <p:cNvPr id="62" name="Rectangle à coins arrondis 61">
+            <a:extLst>
+              <a:ext uri="{FF2B5EF4-FFF2-40B4-BE49-F238E27FC236}">
+                <a16:creationId xmlns:a16="http://schemas.microsoft.com/office/drawing/2014/main" id="{22B9469A-1232-0048-9201-683D8169A00D}"/>
               </a:ext>
             </a:extLst>
           </p:cNvPr>
@@ -3225,107 +3790,7 @@
         </p:nvSpPr>
         <p:spPr>
           <a:xfrm>
-            <a:off x="6410331" y="4405311"/>
-            <a:ext cx="1843088" cy="828675"/>
-          </a:xfrm>
-          <a:prstGeom prst="roundRect">
-            <a:avLst/>
-          </a:prstGeom>
-          <a:ln/>
-        </p:spPr>
-        <p:style>
-          <a:lnRef idx="1">
-            <a:schemeClr val="accent2"/>
-          </a:lnRef>
-          <a:fillRef idx="2">
-            <a:schemeClr val="accent2"/>
-          </a:fillRef>
-          <a:effectRef idx="1">
-            <a:schemeClr val="accent2"/>
-          </a:effectRef>
-          <a:fontRef idx="minor">
-            <a:schemeClr val="dk1"/>
-          </a:fontRef>
-        </p:style>
-        <p:txBody>
-          <a:bodyPr rtlCol="0" anchor="ctr"/>
-          <a:lstStyle/>
-          <a:p>
-            <a:pPr algn="ctr"/>
-            <a:r>
-              <a:rPr lang="fr-FR" dirty="0" err="1"/>
-              <a:t>Calendar</a:t>
-            </a:r>
-            <a:r>
-              <a:rPr lang="fr-FR" dirty="0"/>
-              <a:t> Coach</a:t>
-            </a:r>
-          </a:p>
-        </p:txBody>
-      </p:sp>
-      <p:sp>
-        <p:nvSpPr>
-          <p:cNvPr id="8" name="Rectangle à coins arrondis 7">
-            <a:extLst>
-              <a:ext uri="{FF2B5EF4-FFF2-40B4-BE49-F238E27FC236}">
-                <a16:creationId xmlns:a16="http://schemas.microsoft.com/office/drawing/2014/main" id="{8306E246-A81F-4D42-9083-89698E6EDABC}"/>
-              </a:ext>
-            </a:extLst>
-          </p:cNvPr>
-          <p:cNvSpPr/>
-          <p:nvPr/>
-        </p:nvSpPr>
-        <p:spPr>
-          <a:xfrm>
-            <a:off x="8253419" y="2795591"/>
-            <a:ext cx="1843088" cy="828675"/>
-          </a:xfrm>
-          <a:prstGeom prst="roundRect">
-            <a:avLst/>
-          </a:prstGeom>
-          <a:ln/>
-        </p:spPr>
-        <p:style>
-          <a:lnRef idx="1">
-            <a:schemeClr val="accent2"/>
-          </a:lnRef>
-          <a:fillRef idx="2">
-            <a:schemeClr val="accent2"/>
-          </a:fillRef>
-          <a:effectRef idx="1">
-            <a:schemeClr val="accent2"/>
-          </a:effectRef>
-          <a:fontRef idx="minor">
-            <a:schemeClr val="dk1"/>
-          </a:fontRef>
-        </p:style>
-        <p:txBody>
-          <a:bodyPr rtlCol="0" anchor="ctr"/>
-          <a:lstStyle/>
-          <a:p>
-            <a:pPr algn="ctr"/>
-            <a:r>
-              <a:rPr lang="fr-FR" dirty="0"/>
-              <a:t>Home Coach</a:t>
-            </a:r>
-          </a:p>
-        </p:txBody>
-      </p:sp>
-      <p:sp>
-        <p:nvSpPr>
-          <p:cNvPr id="9" name="Rectangle à coins arrondis 8">
-            <a:extLst>
-              <a:ext uri="{FF2B5EF4-FFF2-40B4-BE49-F238E27FC236}">
-                <a16:creationId xmlns:a16="http://schemas.microsoft.com/office/drawing/2014/main" id="{FA040279-1A94-EE49-9044-26A522554D1F}"/>
-              </a:ext>
-            </a:extLst>
-          </p:cNvPr>
-          <p:cNvSpPr/>
-          <p:nvPr/>
-        </p:nvSpPr>
-        <p:spPr>
-          <a:xfrm>
-            <a:off x="3962402" y="4405313"/>
+            <a:off x="385760" y="2381249"/>
             <a:ext cx="1843088" cy="828675"/>
           </a:xfrm>
           <a:prstGeom prst="roundRect">
@@ -3357,22 +3822,18 @@
           <a:p>
             <a:pPr algn="ctr"/>
             <a:r>
-              <a:rPr lang="fr-FR" dirty="0" err="1"/>
-              <a:t>Calendar</a:t>
+              <a:rPr lang="en-GB"/>
+              <a:t>New Registration</a:t>
             </a:r>
-            <a:r>
-              <a:rPr lang="fr-FR" dirty="0"/>
-              <a:t> Player</a:t>
-            </a:r>
-          </a:p>
-        </p:txBody>
-      </p:sp>
-      <p:sp>
-        <p:nvSpPr>
-          <p:cNvPr id="10" name="Rectangle à coins arrondis 9">
-            <a:extLst>
-              <a:ext uri="{FF2B5EF4-FFF2-40B4-BE49-F238E27FC236}">
-                <a16:creationId xmlns:a16="http://schemas.microsoft.com/office/drawing/2014/main" id="{95DA57FC-82FE-3747-84FE-F308FA799959}"/>
+          </a:p>
+        </p:txBody>
+      </p:sp>
+      <p:sp>
+        <p:nvSpPr>
+          <p:cNvPr id="63" name="Rectangle à coins arrondis 62">
+            <a:extLst>
+              <a:ext uri="{FF2B5EF4-FFF2-40B4-BE49-F238E27FC236}">
+                <a16:creationId xmlns:a16="http://schemas.microsoft.com/office/drawing/2014/main" id="{D170318D-28B8-B44C-A6F3-11CD22E30F15}"/>
               </a:ext>
             </a:extLst>
           </p:cNvPr>
@@ -3381,111 +3842,7 @@
         </p:nvSpPr>
         <p:spPr>
           <a:xfrm>
-            <a:off x="1957390" y="2795592"/>
-            <a:ext cx="1843088" cy="828675"/>
-          </a:xfrm>
-          <a:prstGeom prst="roundRect">
-            <a:avLst/>
-          </a:prstGeom>
-          <a:ln>
-            <a:solidFill>
-              <a:srgbClr val="FFC000"/>
-            </a:solidFill>
-          </a:ln>
-        </p:spPr>
-        <p:style>
-          <a:lnRef idx="1">
-            <a:schemeClr val="accent4"/>
-          </a:lnRef>
-          <a:fillRef idx="2">
-            <a:schemeClr val="accent4"/>
-          </a:fillRef>
-          <a:effectRef idx="1">
-            <a:schemeClr val="accent4"/>
-          </a:effectRef>
-          <a:fontRef idx="minor">
-            <a:schemeClr val="dk1"/>
-          </a:fontRef>
-        </p:style>
-        <p:txBody>
-          <a:bodyPr rtlCol="0" anchor="ctr"/>
-          <a:lstStyle/>
-          <a:p>
-            <a:pPr algn="ctr"/>
-            <a:r>
-              <a:rPr lang="fr-FR" dirty="0"/>
-              <a:t>Home Player</a:t>
-            </a:r>
-          </a:p>
-        </p:txBody>
-      </p:sp>
-      <p:sp>
-        <p:nvSpPr>
-          <p:cNvPr id="11" name="Rectangle à coins arrondis 10">
-            <a:extLst>
-              <a:ext uri="{FF2B5EF4-FFF2-40B4-BE49-F238E27FC236}">
-                <a16:creationId xmlns:a16="http://schemas.microsoft.com/office/drawing/2014/main" id="{4AB4E034-90F4-3C44-924D-01E4D2C4DFB9}"/>
-              </a:ext>
-            </a:extLst>
-          </p:cNvPr>
-          <p:cNvSpPr/>
-          <p:nvPr/>
-        </p:nvSpPr>
-        <p:spPr>
-          <a:xfrm>
-            <a:off x="114302" y="4405312"/>
-            <a:ext cx="1843088" cy="828675"/>
-          </a:xfrm>
-          <a:prstGeom prst="roundRect">
-            <a:avLst/>
-          </a:prstGeom>
-          <a:ln>
-            <a:solidFill>
-              <a:srgbClr val="FFC000"/>
-            </a:solidFill>
-          </a:ln>
-        </p:spPr>
-        <p:style>
-          <a:lnRef idx="1">
-            <a:schemeClr val="accent4"/>
-          </a:lnRef>
-          <a:fillRef idx="2">
-            <a:schemeClr val="accent4"/>
-          </a:fillRef>
-          <a:effectRef idx="1">
-            <a:schemeClr val="accent4"/>
-          </a:effectRef>
-          <a:fontRef idx="minor">
-            <a:schemeClr val="dk1"/>
-          </a:fontRef>
-        </p:style>
-        <p:txBody>
-          <a:bodyPr rtlCol="0" anchor="ctr"/>
-          <a:lstStyle/>
-          <a:p>
-            <a:pPr algn="ctr"/>
-            <a:r>
-              <a:rPr lang="fr-FR" dirty="0"/>
-              <a:t>Chat Player</a:t>
-            </a:r>
-          </a:p>
-        </p:txBody>
-      </p:sp>
-      <p:sp>
-        <p:nvSpPr>
-          <p:cNvPr id="12" name="Rectangle à coins arrondis 11">
-            <a:extLst>
-              <a:ext uri="{FF2B5EF4-FFF2-40B4-BE49-F238E27FC236}">
-                <a16:creationId xmlns:a16="http://schemas.microsoft.com/office/drawing/2014/main" id="{A62231B9-A487-294A-97D9-F2F1B2FEF482}"/>
-              </a:ext>
-            </a:extLst>
-          </p:cNvPr>
-          <p:cNvSpPr/>
-          <p:nvPr/>
-        </p:nvSpPr>
-        <p:spPr>
-          <a:xfrm>
-            <a:off x="10096507" y="4405311"/>
+            <a:off x="9634548" y="3438524"/>
             <a:ext cx="1843088" cy="828675"/>
           </a:xfrm>
           <a:prstGeom prst="roundRect">
@@ -3513,51 +3870,96 @@
           <a:p>
             <a:pPr algn="ctr"/>
             <a:r>
-              <a:rPr lang="fr-FR" dirty="0"/>
-              <a:t>Chat Coach</a:t>
+              <a:rPr lang="en-GB"/>
+              <a:t>Add Event</a:t>
+            </a:r>
+          </a:p>
+        </p:txBody>
+      </p:sp>
+      <p:sp>
+        <p:nvSpPr>
+          <p:cNvPr id="64" name="Rectangle à coins arrondis 63">
+            <a:extLst>
+              <a:ext uri="{FF2B5EF4-FFF2-40B4-BE49-F238E27FC236}">
+                <a16:creationId xmlns:a16="http://schemas.microsoft.com/office/drawing/2014/main" id="{C707BD70-5993-354A-9B09-EC6F82E06EAC}"/>
+              </a:ext>
+            </a:extLst>
+          </p:cNvPr>
+          <p:cNvSpPr/>
+          <p:nvPr/>
+        </p:nvSpPr>
+        <p:spPr>
+          <a:xfrm>
+            <a:off x="9634548" y="5038717"/>
+            <a:ext cx="1843088" cy="828675"/>
+          </a:xfrm>
+          <a:prstGeom prst="roundRect">
+            <a:avLst/>
+          </a:prstGeom>
+          <a:ln/>
+        </p:spPr>
+        <p:style>
+          <a:lnRef idx="1">
+            <a:schemeClr val="accent2"/>
+          </a:lnRef>
+          <a:fillRef idx="2">
+            <a:schemeClr val="accent2"/>
+          </a:fillRef>
+          <a:effectRef idx="1">
+            <a:schemeClr val="accent2"/>
+          </a:effectRef>
+          <a:fontRef idx="minor">
+            <a:schemeClr val="dk1"/>
+          </a:fontRef>
+        </p:style>
+        <p:txBody>
+          <a:bodyPr rtlCol="0" anchor="ctr"/>
+          <a:lstStyle/>
+          <a:p>
+            <a:pPr algn="ctr"/>
+            <a:r>
+              <a:rPr lang="en-GB"/>
+              <a:t>Modify Event</a:t>
             </a:r>
           </a:p>
         </p:txBody>
       </p:sp>
       <p:cxnSp>
         <p:nvCxnSpPr>
-          <p:cNvPr id="14" name="Connecteur droit avec flèche 13">
-            <a:extLst>
-              <a:ext uri="{FF2B5EF4-FFF2-40B4-BE49-F238E27FC236}">
-                <a16:creationId xmlns:a16="http://schemas.microsoft.com/office/drawing/2014/main" id="{742D0BCA-CB51-F342-ADAA-27A404045E89}"/>
+          <p:cNvPr id="66" name="Connecteur en angle 65">
+            <a:extLst>
+              <a:ext uri="{FF2B5EF4-FFF2-40B4-BE49-F238E27FC236}">
+                <a16:creationId xmlns:a16="http://schemas.microsoft.com/office/drawing/2014/main" id="{BFAD75C2-B91D-4A4D-8AC9-077D5F8B4A53}"/>
               </a:ext>
             </a:extLst>
           </p:cNvPr>
           <p:cNvCxnSpPr>
-            <a:stCxn id="4" idx="2"/>
-            <a:endCxn id="10" idx="0"/>
+            <a:stCxn id="62" idx="2"/>
+            <a:endCxn id="10" idx="1"/>
           </p:cNvCxnSpPr>
           <p:nvPr/>
         </p:nvCxnSpPr>
         <p:spPr>
-          <a:xfrm>
-            <a:off x="2878934" y="2014543"/>
-            <a:ext cx="0" cy="781049"/>
+          <a:xfrm rot="16200000" flipH="1">
+            <a:off x="1446606" y="3070622"/>
+            <a:ext cx="642940" cy="921544"/>
           </a:xfrm>
-          <a:prstGeom prst="straightConnector1">
+          <a:prstGeom prst="bentConnector2">
             <a:avLst/>
           </a:prstGeom>
           <a:ln>
-            <a:solidFill>
-              <a:schemeClr val="tx1"/>
-            </a:solidFill>
             <a:tailEnd type="triangle"/>
           </a:ln>
         </p:spPr>
         <p:style>
-          <a:lnRef idx="1">
-            <a:schemeClr val="accent1"/>
+          <a:lnRef idx="2">
+            <a:schemeClr val="dk1"/>
           </a:lnRef>
           <a:fillRef idx="0">
-            <a:schemeClr val="accent1"/>
+            <a:schemeClr val="dk1"/>
           </a:fillRef>
-          <a:effectRef idx="0">
-            <a:schemeClr val="accent1"/>
+          <a:effectRef idx="1">
+            <a:schemeClr val="dk1"/>
           </a:effectRef>
           <a:fontRef idx="minor">
             <a:schemeClr val="tx1"/>
@@ -3566,44 +3968,41 @@
       </p:cxnSp>
       <p:cxnSp>
         <p:nvCxnSpPr>
-          <p:cNvPr id="20" name="Connecteur droit avec flèche 19">
-            <a:extLst>
-              <a:ext uri="{FF2B5EF4-FFF2-40B4-BE49-F238E27FC236}">
-                <a16:creationId xmlns:a16="http://schemas.microsoft.com/office/drawing/2014/main" id="{7D23D093-99B9-FF41-BBD6-D3962B05301E}"/>
+          <p:cNvPr id="68" name="Connecteur droit avec flèche 67">
+            <a:extLst>
+              <a:ext uri="{FF2B5EF4-FFF2-40B4-BE49-F238E27FC236}">
+                <a16:creationId xmlns:a16="http://schemas.microsoft.com/office/drawing/2014/main" id="{1AE4C279-B9C3-EA45-A544-324F808DD754}"/>
               </a:ext>
             </a:extLst>
           </p:cNvPr>
           <p:cNvCxnSpPr>
-            <a:stCxn id="10" idx="2"/>
-            <a:endCxn id="11" idx="0"/>
+            <a:stCxn id="8" idx="3"/>
+            <a:endCxn id="63" idx="1"/>
           </p:cNvCxnSpPr>
           <p:nvPr/>
         </p:nvCxnSpPr>
         <p:spPr>
-          <a:xfrm flipH="1">
-            <a:off x="1035846" y="3624267"/>
-            <a:ext cx="1843088" cy="781045"/>
+          <a:xfrm flipV="1">
+            <a:off x="8882065" y="3852862"/>
+            <a:ext cx="752483" cy="1"/>
           </a:xfrm>
           <a:prstGeom prst="straightConnector1">
             <a:avLst/>
           </a:prstGeom>
           <a:ln>
-            <a:solidFill>
-              <a:schemeClr val="tx1"/>
-            </a:solidFill>
             <a:headEnd type="triangle"/>
             <a:tailEnd type="triangle"/>
           </a:ln>
         </p:spPr>
         <p:style>
-          <a:lnRef idx="1">
-            <a:schemeClr val="accent1"/>
+          <a:lnRef idx="2">
+            <a:schemeClr val="dk1"/>
           </a:lnRef>
           <a:fillRef idx="0">
-            <a:schemeClr val="accent1"/>
+            <a:schemeClr val="dk1"/>
           </a:fillRef>
-          <a:effectRef idx="0">
-            <a:schemeClr val="accent1"/>
+          <a:effectRef idx="1">
+            <a:schemeClr val="dk1"/>
           </a:effectRef>
           <a:fontRef idx="minor">
             <a:schemeClr val="tx1"/>
@@ -3612,295 +4011,63 @@
       </p:cxnSp>
       <p:cxnSp>
         <p:nvCxnSpPr>
-          <p:cNvPr id="22" name="Connecteur droit avec flèche 21">
-            <a:extLst>
-              <a:ext uri="{FF2B5EF4-FFF2-40B4-BE49-F238E27FC236}">
-                <a16:creationId xmlns:a16="http://schemas.microsoft.com/office/drawing/2014/main" id="{799D57D3-A4A5-EB47-9BDF-420162EA36DE}"/>
+          <p:cNvPr id="70" name="Connecteur droit avec flèche 69">
+            <a:extLst>
+              <a:ext uri="{FF2B5EF4-FFF2-40B4-BE49-F238E27FC236}">
+                <a16:creationId xmlns:a16="http://schemas.microsoft.com/office/drawing/2014/main" id="{AD64AC57-FBD2-CB4E-8E9B-60718BAE815C}"/>
               </a:ext>
             </a:extLst>
           </p:cNvPr>
           <p:cNvCxnSpPr>
-            <a:stCxn id="10" idx="2"/>
-            <a:endCxn id="9" idx="0"/>
+            <a:stCxn id="7" idx="3"/>
+            <a:endCxn id="64" idx="1"/>
           </p:cNvCxnSpPr>
           <p:nvPr/>
         </p:nvCxnSpPr>
         <p:spPr>
-          <a:xfrm>
-            <a:off x="2878934" y="3624267"/>
-            <a:ext cx="2005012" cy="781046"/>
+          <a:xfrm flipV="1">
+            <a:off x="8882065" y="5453055"/>
+            <a:ext cx="752483" cy="9528"/>
           </a:xfrm>
           <a:prstGeom prst="straightConnector1">
             <a:avLst/>
           </a:prstGeom>
           <a:ln>
-            <a:solidFill>
-              <a:schemeClr val="tx1"/>
-            </a:solidFill>
             <a:headEnd type="triangle"/>
             <a:tailEnd type="triangle"/>
           </a:ln>
         </p:spPr>
         <p:style>
-          <a:lnRef idx="1">
-            <a:schemeClr val="accent1"/>
+          <a:lnRef idx="2">
+            <a:schemeClr val="dk1"/>
           </a:lnRef>
           <a:fillRef idx="0">
-            <a:schemeClr val="accent1"/>
+            <a:schemeClr val="dk1"/>
           </a:fillRef>
-          <a:effectRef idx="0">
-            <a:schemeClr val="accent1"/>
+          <a:effectRef idx="1">
+            <a:schemeClr val="dk1"/>
           </a:effectRef>
           <a:fontRef idx="minor">
             <a:schemeClr val="tx1"/>
           </a:fontRef>
         </p:style>
       </p:cxnSp>
-      <p:cxnSp>
-        <p:nvCxnSpPr>
-          <p:cNvPr id="24" name="Connecteur droit avec flèche 23">
-            <a:extLst>
-              <a:ext uri="{FF2B5EF4-FFF2-40B4-BE49-F238E27FC236}">
-                <a16:creationId xmlns:a16="http://schemas.microsoft.com/office/drawing/2014/main" id="{B118DB84-2C94-C446-88B8-C06E744413B2}"/>
-              </a:ext>
-            </a:extLst>
-          </p:cNvPr>
-          <p:cNvCxnSpPr>
-            <a:stCxn id="11" idx="3"/>
-            <a:endCxn id="9" idx="1"/>
-          </p:cNvCxnSpPr>
+      <p:sp>
+        <p:nvSpPr>
+          <p:cNvPr id="71" name="ZoneTexte 70">
+            <a:extLst>
+              <a:ext uri="{FF2B5EF4-FFF2-40B4-BE49-F238E27FC236}">
+                <a16:creationId xmlns:a16="http://schemas.microsoft.com/office/drawing/2014/main" id="{FC14254E-1506-0C4B-9C91-12329D7BDC74}"/>
+              </a:ext>
+            </a:extLst>
+          </p:cNvPr>
+          <p:cNvSpPr txBox="1"/>
           <p:nvPr/>
-        </p:nvCxnSpPr>
+        </p:nvSpPr>
         <p:spPr>
           <a:xfrm>
-            <a:off x="1957390" y="4819650"/>
-            <a:ext cx="2005012" cy="1"/>
-          </a:xfrm>
-          <a:prstGeom prst="straightConnector1">
-            <a:avLst/>
-          </a:prstGeom>
-          <a:ln>
-            <a:solidFill>
-              <a:schemeClr val="tx1"/>
-            </a:solidFill>
-            <a:headEnd type="triangle"/>
-            <a:tailEnd type="triangle"/>
-          </a:ln>
-        </p:spPr>
-        <p:style>
-          <a:lnRef idx="1">
-            <a:schemeClr val="accent1"/>
-          </a:lnRef>
-          <a:fillRef idx="0">
-            <a:schemeClr val="accent1"/>
-          </a:fillRef>
-          <a:effectRef idx="0">
-            <a:schemeClr val="accent1"/>
-          </a:effectRef>
-          <a:fontRef idx="minor">
-            <a:schemeClr val="tx1"/>
-          </a:fontRef>
-        </p:style>
-      </p:cxnSp>
-      <p:cxnSp>
-        <p:nvCxnSpPr>
-          <p:cNvPr id="26" name="Connecteur droit avec flèche 25">
-            <a:extLst>
-              <a:ext uri="{FF2B5EF4-FFF2-40B4-BE49-F238E27FC236}">
-                <a16:creationId xmlns:a16="http://schemas.microsoft.com/office/drawing/2014/main" id="{138A1001-F4B9-7D4C-87C3-C0008CF29E4A}"/>
-              </a:ext>
-            </a:extLst>
-          </p:cNvPr>
-          <p:cNvCxnSpPr>
-            <a:stCxn id="8" idx="2"/>
-            <a:endCxn id="7" idx="0"/>
-          </p:cNvCxnSpPr>
-          <p:nvPr/>
-        </p:nvCxnSpPr>
-        <p:spPr>
-          <a:xfrm flipH="1">
-            <a:off x="7331875" y="3624266"/>
-            <a:ext cx="1843088" cy="781045"/>
-          </a:xfrm>
-          <a:prstGeom prst="straightConnector1">
-            <a:avLst/>
-          </a:prstGeom>
-          <a:ln>
-            <a:solidFill>
-              <a:schemeClr val="tx1"/>
-            </a:solidFill>
-            <a:headEnd type="triangle"/>
-            <a:tailEnd type="triangle"/>
-          </a:ln>
-        </p:spPr>
-        <p:style>
-          <a:lnRef idx="1">
-            <a:schemeClr val="accent1"/>
-          </a:lnRef>
-          <a:fillRef idx="0">
-            <a:schemeClr val="accent1"/>
-          </a:fillRef>
-          <a:effectRef idx="0">
-            <a:schemeClr val="accent1"/>
-          </a:effectRef>
-          <a:fontRef idx="minor">
-            <a:schemeClr val="tx1"/>
-          </a:fontRef>
-        </p:style>
-      </p:cxnSp>
-      <p:cxnSp>
-        <p:nvCxnSpPr>
-          <p:cNvPr id="28" name="Connecteur droit avec flèche 27">
-            <a:extLst>
-              <a:ext uri="{FF2B5EF4-FFF2-40B4-BE49-F238E27FC236}">
-                <a16:creationId xmlns:a16="http://schemas.microsoft.com/office/drawing/2014/main" id="{1FAC08A0-82AB-4B4B-B7B5-999A97FC4108}"/>
-              </a:ext>
-            </a:extLst>
-          </p:cNvPr>
-          <p:cNvCxnSpPr>
-            <a:stCxn id="8" idx="2"/>
-            <a:endCxn id="12" idx="0"/>
-          </p:cNvCxnSpPr>
-          <p:nvPr/>
-        </p:nvCxnSpPr>
-        <p:spPr>
-          <a:xfrm>
-            <a:off x="9174963" y="3624266"/>
-            <a:ext cx="1843088" cy="781045"/>
-          </a:xfrm>
-          <a:prstGeom prst="straightConnector1">
-            <a:avLst/>
-          </a:prstGeom>
-          <a:ln>
-            <a:solidFill>
-              <a:schemeClr val="tx1"/>
-            </a:solidFill>
-            <a:headEnd type="triangle"/>
-            <a:tailEnd type="triangle"/>
-          </a:ln>
-        </p:spPr>
-        <p:style>
-          <a:lnRef idx="1">
-            <a:schemeClr val="accent1"/>
-          </a:lnRef>
-          <a:fillRef idx="0">
-            <a:schemeClr val="accent1"/>
-          </a:fillRef>
-          <a:effectRef idx="0">
-            <a:schemeClr val="accent1"/>
-          </a:effectRef>
-          <a:fontRef idx="minor">
-            <a:schemeClr val="tx1"/>
-          </a:fontRef>
-        </p:style>
-      </p:cxnSp>
-      <p:cxnSp>
-        <p:nvCxnSpPr>
-          <p:cNvPr id="30" name="Connecteur droit avec flèche 29">
-            <a:extLst>
-              <a:ext uri="{FF2B5EF4-FFF2-40B4-BE49-F238E27FC236}">
-                <a16:creationId xmlns:a16="http://schemas.microsoft.com/office/drawing/2014/main" id="{CF9D7388-25F6-C14B-ACCE-8284989312EA}"/>
-              </a:ext>
-            </a:extLst>
-          </p:cNvPr>
-          <p:cNvCxnSpPr>
-            <a:stCxn id="7" idx="3"/>
-            <a:endCxn id="12" idx="1"/>
-          </p:cNvCxnSpPr>
-          <p:nvPr/>
-        </p:nvCxnSpPr>
-        <p:spPr>
-          <a:xfrm>
-            <a:off x="8253419" y="4819649"/>
-            <a:ext cx="1843088" cy="0"/>
-          </a:xfrm>
-          <a:prstGeom prst="straightConnector1">
-            <a:avLst/>
-          </a:prstGeom>
-          <a:ln>
-            <a:solidFill>
-              <a:schemeClr val="tx1"/>
-            </a:solidFill>
-            <a:headEnd type="triangle"/>
-            <a:tailEnd type="triangle"/>
-          </a:ln>
-        </p:spPr>
-        <p:style>
-          <a:lnRef idx="1">
-            <a:schemeClr val="accent1"/>
-          </a:lnRef>
-          <a:fillRef idx="0">
-            <a:schemeClr val="accent1"/>
-          </a:fillRef>
-          <a:effectRef idx="0">
-            <a:schemeClr val="accent1"/>
-          </a:effectRef>
-          <a:fontRef idx="minor">
-            <a:schemeClr val="tx1"/>
-          </a:fontRef>
-        </p:style>
-      </p:cxnSp>
-      <p:cxnSp>
-        <p:nvCxnSpPr>
-          <p:cNvPr id="32" name="Connecteur droit avec flèche 31">
-            <a:extLst>
-              <a:ext uri="{FF2B5EF4-FFF2-40B4-BE49-F238E27FC236}">
-                <a16:creationId xmlns:a16="http://schemas.microsoft.com/office/drawing/2014/main" id="{733362FD-A050-0D43-98B5-4FC2D6F4537B}"/>
-              </a:ext>
-            </a:extLst>
-          </p:cNvPr>
-          <p:cNvCxnSpPr>
-            <a:stCxn id="5" idx="2"/>
-            <a:endCxn id="8" idx="0"/>
-          </p:cNvCxnSpPr>
-          <p:nvPr/>
-        </p:nvCxnSpPr>
-        <p:spPr>
-          <a:xfrm>
-            <a:off x="9174963" y="2014543"/>
-            <a:ext cx="0" cy="781048"/>
-          </a:xfrm>
-          <a:prstGeom prst="straightConnector1">
-            <a:avLst/>
-          </a:prstGeom>
-          <a:ln>
-            <a:solidFill>
-              <a:schemeClr val="tx1"/>
-            </a:solidFill>
-            <a:tailEnd type="triangle"/>
-          </a:ln>
-        </p:spPr>
-        <p:style>
-          <a:lnRef idx="1">
-            <a:schemeClr val="accent1"/>
-          </a:lnRef>
-          <a:fillRef idx="0">
-            <a:schemeClr val="accent1"/>
-          </a:fillRef>
-          <a:effectRef idx="0">
-            <a:schemeClr val="accent1"/>
-          </a:effectRef>
-          <a:fontRef idx="minor">
-            <a:schemeClr val="tx1"/>
-          </a:fontRef>
-        </p:style>
-      </p:cxnSp>
-      <p:sp>
-        <p:nvSpPr>
-          <p:cNvPr id="33" name="ZoneTexte 32">
-            <a:extLst>
-              <a:ext uri="{FF2B5EF4-FFF2-40B4-BE49-F238E27FC236}">
-                <a16:creationId xmlns:a16="http://schemas.microsoft.com/office/drawing/2014/main" id="{430FE802-722C-094F-AA39-B957E685882C}"/>
-              </a:ext>
-            </a:extLst>
-          </p:cNvPr>
-          <p:cNvSpPr txBox="1"/>
-          <p:nvPr/>
-        </p:nvSpPr>
-        <p:spPr>
-          <a:xfrm>
-            <a:off x="2878934" y="2196588"/>
-            <a:ext cx="688009" cy="369332"/>
+            <a:off x="1307304" y="3256535"/>
+            <a:ext cx="688009" cy="646331"/>
           </a:xfrm>
           <a:prstGeom prst="rect">
             <a:avLst/>
@@ -3913,8 +4080,15 @@
           </a:bodyPr>
           <a:lstStyle/>
           <a:p>
+            <a:pPr algn="ctr"/>
             <a:r>
-              <a:rPr lang="fr-FR" dirty="0"/>
+              <a:rPr lang="en-GB"/>
+              <a:t>New</a:t>
+            </a:r>
+          </a:p>
+          <a:p>
+            <a:r>
+              <a:rPr lang="en-GB"/>
               <a:t>Login</a:t>
             </a:r>
           </a:p>
@@ -3922,10 +4096,10 @@
       </p:sp>
       <p:sp>
         <p:nvSpPr>
-          <p:cNvPr id="34" name="ZoneTexte 33">
-            <a:extLst>
-              <a:ext uri="{FF2B5EF4-FFF2-40B4-BE49-F238E27FC236}">
-                <a16:creationId xmlns:a16="http://schemas.microsoft.com/office/drawing/2014/main" id="{CCA68C69-FA35-3844-B8DB-C48C9ABDCCFA}"/>
+          <p:cNvPr id="72" name="ZoneTexte 71">
+            <a:extLst>
+              <a:ext uri="{FF2B5EF4-FFF2-40B4-BE49-F238E27FC236}">
+                <a16:creationId xmlns:a16="http://schemas.microsoft.com/office/drawing/2014/main" id="{61C6EBEB-9327-3C4E-AF04-0D3915DE1388}"/>
               </a:ext>
             </a:extLst>
           </p:cNvPr>
@@ -3934,8 +4108,8 @@
         </p:nvSpPr>
         <p:spPr>
           <a:xfrm>
-            <a:off x="9170031" y="2196587"/>
-            <a:ext cx="688009" cy="369332"/>
+            <a:off x="8910641" y="3206530"/>
+            <a:ext cx="705514" cy="646331"/>
           </a:xfrm>
           <a:prstGeom prst="rect">
             <a:avLst/>
@@ -3948,19 +4122,26 @@
           </a:bodyPr>
           <a:lstStyle/>
           <a:p>
+            <a:pPr algn="ctr"/>
             <a:r>
-              <a:rPr lang="fr-FR" dirty="0"/>
-              <a:t>Login</a:t>
+              <a:rPr lang="en-GB"/>
+              <a:t>Add</a:t>
             </a:r>
           </a:p>
-        </p:txBody>
-      </p:sp>
-      <p:sp>
-        <p:nvSpPr>
-          <p:cNvPr id="35" name="ZoneTexte 34">
-            <a:extLst>
-              <a:ext uri="{FF2B5EF4-FFF2-40B4-BE49-F238E27FC236}">
-                <a16:creationId xmlns:a16="http://schemas.microsoft.com/office/drawing/2014/main" id="{3760F55B-A933-0D46-92D7-DA1CC850D43A}"/>
+          <a:p>
+            <a:r>
+              <a:rPr lang="en-GB"/>
+              <a:t>Event</a:t>
+            </a:r>
+          </a:p>
+        </p:txBody>
+      </p:sp>
+      <p:sp>
+        <p:nvSpPr>
+          <p:cNvPr id="73" name="ZoneTexte 72">
+            <a:extLst>
+              <a:ext uri="{FF2B5EF4-FFF2-40B4-BE49-F238E27FC236}">
+                <a16:creationId xmlns:a16="http://schemas.microsoft.com/office/drawing/2014/main" id="{C632F1FD-18EC-4745-B5F7-E97FBA014ECF}"/>
               </a:ext>
             </a:extLst>
           </p:cNvPr>
@@ -3969,8 +4150,8 @@
         </p:nvSpPr>
         <p:spPr>
           <a:xfrm>
-            <a:off x="2451000" y="4083610"/>
-            <a:ext cx="888705" cy="369332"/>
+            <a:off x="8893706" y="4816249"/>
+            <a:ext cx="748924" cy="646331"/>
           </a:xfrm>
           <a:prstGeom prst="rect">
             <a:avLst/>
@@ -3983,131 +4164,409 @@
           </a:bodyPr>
           <a:lstStyle/>
           <a:p>
+            <a:pPr algn="ctr"/>
             <a:r>
-              <a:rPr lang="fr-FR" dirty="0" err="1"/>
-              <a:t>ToolBar</a:t>
+              <a:rPr lang="en-GB"/>
+              <a:t>Modif</a:t>
             </a:r>
-            <a:endParaRPr lang="fr-FR" dirty="0"/>
-          </a:p>
-        </p:txBody>
-      </p:sp>
-      <p:sp>
-        <p:nvSpPr>
-          <p:cNvPr id="36" name="ZoneTexte 35">
-            <a:extLst>
-              <a:ext uri="{FF2B5EF4-FFF2-40B4-BE49-F238E27FC236}">
-                <a16:creationId xmlns:a16="http://schemas.microsoft.com/office/drawing/2014/main" id="{46E60C42-8F73-9F45-BB2C-2336F2C71094}"/>
-              </a:ext>
-            </a:extLst>
-          </p:cNvPr>
-          <p:cNvSpPr txBox="1"/>
+          </a:p>
+          <a:p>
+            <a:pPr algn="ctr"/>
+            <a:r>
+              <a:rPr lang="en-GB"/>
+              <a:t>Event</a:t>
+            </a:r>
+          </a:p>
+        </p:txBody>
+      </p:sp>
+      <p:grpSp>
+        <p:nvGrpSpPr>
+          <p:cNvPr id="84" name="Groupe 83">
+            <a:extLst>
+              <a:ext uri="{FF2B5EF4-FFF2-40B4-BE49-F238E27FC236}">
+                <a16:creationId xmlns:a16="http://schemas.microsoft.com/office/drawing/2014/main" id="{A2E1B3DE-91A8-5B4E-9335-C0B704311491}"/>
+              </a:ext>
+            </a:extLst>
+          </p:cNvPr>
+          <p:cNvGrpSpPr/>
           <p:nvPr/>
-        </p:nvSpPr>
-        <p:spPr>
+        </p:nvGrpSpPr>
+        <p:grpSpPr>
           <a:xfrm>
-            <a:off x="8731304" y="4047887"/>
-            <a:ext cx="888705" cy="369332"/>
+            <a:off x="8059728" y="353801"/>
+            <a:ext cx="3056717" cy="2271716"/>
+            <a:chOff x="7786688" y="385763"/>
+            <a:chExt cx="3056717" cy="2271716"/>
           </a:xfrm>
-          <a:prstGeom prst="rect">
-            <a:avLst/>
-          </a:prstGeom>
-          <a:noFill/>
-        </p:spPr>
-        <p:txBody>
-          <a:bodyPr wrap="none" rtlCol="0">
-            <a:spAutoFit/>
-          </a:bodyPr>
-          <a:lstStyle/>
-          <a:p>
-            <a:r>
-              <a:rPr lang="fr-FR" dirty="0" err="1"/>
-              <a:t>ToolBar</a:t>
-            </a:r>
-            <a:endParaRPr lang="fr-FR" dirty="0"/>
-          </a:p>
-        </p:txBody>
-      </p:sp>
-      <p:cxnSp>
-        <p:nvCxnSpPr>
-          <p:cNvPr id="38" name="Connecteur droit avec flèche 37">
-            <a:extLst>
-              <a:ext uri="{FF2B5EF4-FFF2-40B4-BE49-F238E27FC236}">
-                <a16:creationId xmlns:a16="http://schemas.microsoft.com/office/drawing/2014/main" id="{0154912C-0939-DC4A-9AF0-92998647F9C6}"/>
-              </a:ext>
-            </a:extLst>
-          </p:cNvPr>
-          <p:cNvCxnSpPr>
-            <a:stCxn id="4" idx="3"/>
-            <a:endCxn id="5" idx="1"/>
-          </p:cNvCxnSpPr>
-          <p:nvPr/>
-        </p:nvCxnSpPr>
-        <p:spPr>
-          <a:xfrm>
-            <a:off x="3800478" y="1600206"/>
-            <a:ext cx="4452941" cy="0"/>
-          </a:xfrm>
-          <a:prstGeom prst="straightConnector1">
-            <a:avLst/>
-          </a:prstGeom>
-          <a:ln>
-            <a:solidFill>
+        </p:grpSpPr>
+        <p:sp>
+          <p:nvSpPr>
+            <p:cNvPr id="36" name="ZoneTexte 35">
+              <a:extLst>
+                <a:ext uri="{FF2B5EF4-FFF2-40B4-BE49-F238E27FC236}">
+                  <a16:creationId xmlns:a16="http://schemas.microsoft.com/office/drawing/2014/main" id="{46E60C42-8F73-9F45-BB2C-2336F2C71094}"/>
+                </a:ext>
+              </a:extLst>
+            </p:cNvPr>
+            <p:cNvSpPr txBox="1"/>
+            <p:nvPr/>
+          </p:nvSpPr>
+          <p:spPr>
+            <a:xfrm>
+              <a:off x="8536107" y="2288147"/>
+              <a:ext cx="2307298" cy="369332"/>
+            </a:xfrm>
+            <a:prstGeom prst="rect">
+              <a:avLst/>
+            </a:prstGeom>
+            <a:noFill/>
+          </p:spPr>
+          <p:txBody>
+            <a:bodyPr wrap="none" rtlCol="0">
+              <a:spAutoFit/>
+            </a:bodyPr>
+            <a:lstStyle/>
+            <a:p>
+              <a:r>
+                <a:rPr lang="en-GB"/>
+                <a:t>Bottom Navigation Bar</a:t>
+              </a:r>
+            </a:p>
+          </p:txBody>
+        </p:sp>
+        <p:sp>
+          <p:nvSpPr>
+            <p:cNvPr id="75" name="ZoneTexte 74">
+              <a:extLst>
+                <a:ext uri="{FF2B5EF4-FFF2-40B4-BE49-F238E27FC236}">
+                  <a16:creationId xmlns:a16="http://schemas.microsoft.com/office/drawing/2014/main" id="{89C08580-9C38-1445-87FF-931E9ED69780}"/>
+                </a:ext>
+              </a:extLst>
+            </p:cNvPr>
+            <p:cNvSpPr txBox="1"/>
+            <p:nvPr/>
+          </p:nvSpPr>
+          <p:spPr>
+            <a:xfrm>
+              <a:off x="8512192" y="1183726"/>
+              <a:ext cx="1511952" cy="369332"/>
+            </a:xfrm>
+            <a:prstGeom prst="rect">
+              <a:avLst/>
+            </a:prstGeom>
+            <a:noFill/>
+          </p:spPr>
+          <p:txBody>
+            <a:bodyPr wrap="none" rtlCol="0">
+              <a:spAutoFit/>
+            </a:bodyPr>
+            <a:lstStyle/>
+            <a:p>
+              <a:r>
+                <a:rPr lang="en-GB"/>
+                <a:t>Activity Coach</a:t>
+              </a:r>
+            </a:p>
+          </p:txBody>
+        </p:sp>
+        <p:sp>
+          <p:nvSpPr>
+            <p:cNvPr id="76" name="ZoneTexte 75">
+              <a:extLst>
+                <a:ext uri="{FF2B5EF4-FFF2-40B4-BE49-F238E27FC236}">
+                  <a16:creationId xmlns:a16="http://schemas.microsoft.com/office/drawing/2014/main" id="{2EE96DA0-2A89-9245-915C-388CBC7BEEE9}"/>
+                </a:ext>
+              </a:extLst>
+            </p:cNvPr>
+            <p:cNvSpPr txBox="1"/>
+            <p:nvPr/>
+          </p:nvSpPr>
+          <p:spPr>
+            <a:xfrm>
+              <a:off x="8536107" y="1782246"/>
+              <a:ext cx="1511248" cy="369332"/>
+            </a:xfrm>
+            <a:prstGeom prst="rect">
+              <a:avLst/>
+            </a:prstGeom>
+            <a:noFill/>
+          </p:spPr>
+          <p:txBody>
+            <a:bodyPr wrap="none" rtlCol="0">
+              <a:spAutoFit/>
+            </a:bodyPr>
+            <a:lstStyle/>
+            <a:p>
+              <a:r>
+                <a:rPr lang="en-GB"/>
+                <a:t>Activity Player</a:t>
+              </a:r>
+            </a:p>
+          </p:txBody>
+        </p:sp>
+        <p:sp>
+          <p:nvSpPr>
+            <p:cNvPr id="77" name="Rectangle à coins arrondis 76">
+              <a:extLst>
+                <a:ext uri="{FF2B5EF4-FFF2-40B4-BE49-F238E27FC236}">
+                  <a16:creationId xmlns:a16="http://schemas.microsoft.com/office/drawing/2014/main" id="{5DB981F9-E9E3-8043-99AB-2D3BB305BA0A}"/>
+                </a:ext>
+              </a:extLst>
+            </p:cNvPr>
+            <p:cNvSpPr/>
+            <p:nvPr/>
+          </p:nvSpPr>
+          <p:spPr>
+            <a:xfrm>
+              <a:off x="7960519" y="1183726"/>
+              <a:ext cx="440529" cy="369332"/>
+            </a:xfrm>
+            <a:prstGeom prst="roundRect">
+              <a:avLst/>
+            </a:prstGeom>
+          </p:spPr>
+          <p:style>
+            <a:lnRef idx="1">
+              <a:schemeClr val="accent2"/>
+            </a:lnRef>
+            <a:fillRef idx="2">
+              <a:schemeClr val="accent2"/>
+            </a:fillRef>
+            <a:effectRef idx="1">
+              <a:schemeClr val="accent2"/>
+            </a:effectRef>
+            <a:fontRef idx="minor">
+              <a:schemeClr val="dk1"/>
+            </a:fontRef>
+          </p:style>
+          <p:txBody>
+            <a:bodyPr rtlCol="0" anchor="ctr"/>
+            <a:lstStyle/>
+            <a:p>
+              <a:pPr algn="ctr"/>
+              <a:endParaRPr lang="en-GB"/>
+            </a:p>
+          </p:txBody>
+        </p:sp>
+        <p:sp>
+          <p:nvSpPr>
+            <p:cNvPr id="78" name="Rectangle à coins arrondis 77">
+              <a:extLst>
+                <a:ext uri="{FF2B5EF4-FFF2-40B4-BE49-F238E27FC236}">
+                  <a16:creationId xmlns:a16="http://schemas.microsoft.com/office/drawing/2014/main" id="{376C9A01-E4D5-EE45-9737-2C3CB8421988}"/>
+                </a:ext>
+              </a:extLst>
+            </p:cNvPr>
+            <p:cNvSpPr/>
+            <p:nvPr/>
+          </p:nvSpPr>
+          <p:spPr>
+            <a:xfrm>
+              <a:off x="7960520" y="1782246"/>
+              <a:ext cx="440529" cy="369332"/>
+            </a:xfrm>
+            <a:prstGeom prst="roundRect">
+              <a:avLst/>
+            </a:prstGeom>
+          </p:spPr>
+          <p:style>
+            <a:lnRef idx="1">
+              <a:schemeClr val="accent4"/>
+            </a:lnRef>
+            <a:fillRef idx="2">
+              <a:schemeClr val="accent4"/>
+            </a:fillRef>
+            <a:effectRef idx="1">
+              <a:schemeClr val="accent4"/>
+            </a:effectRef>
+            <a:fontRef idx="minor">
+              <a:schemeClr val="dk1"/>
+            </a:fontRef>
+          </p:style>
+          <p:txBody>
+            <a:bodyPr rtlCol="0" anchor="ctr"/>
+            <a:lstStyle/>
+            <a:p>
+              <a:pPr algn="ctr"/>
+              <a:endParaRPr lang="en-GB"/>
+            </a:p>
+          </p:txBody>
+        </p:sp>
+        <p:sp>
+          <p:nvSpPr>
+            <p:cNvPr id="79" name="Rectangle à coins arrondis 78">
+              <a:extLst>
+                <a:ext uri="{FF2B5EF4-FFF2-40B4-BE49-F238E27FC236}">
+                  <a16:creationId xmlns:a16="http://schemas.microsoft.com/office/drawing/2014/main" id="{A7B843AD-CD28-944C-BC81-BBC5B7A4DE93}"/>
+                </a:ext>
+              </a:extLst>
+            </p:cNvPr>
+            <p:cNvSpPr/>
+            <p:nvPr/>
+          </p:nvSpPr>
+          <p:spPr>
+            <a:xfrm>
+              <a:off x="7960517" y="591336"/>
+              <a:ext cx="440529" cy="369332"/>
+            </a:xfrm>
+            <a:prstGeom prst="roundRect">
+              <a:avLst/>
+            </a:prstGeom>
+          </p:spPr>
+          <p:style>
+            <a:lnRef idx="1">
+              <a:schemeClr val="accent3"/>
+            </a:lnRef>
+            <a:fillRef idx="2">
+              <a:schemeClr val="accent3"/>
+            </a:fillRef>
+            <a:effectRef idx="1">
+              <a:schemeClr val="accent3"/>
+            </a:effectRef>
+            <a:fontRef idx="minor">
+              <a:schemeClr val="dk1"/>
+            </a:fontRef>
+          </p:style>
+          <p:txBody>
+            <a:bodyPr rtlCol="0" anchor="ctr"/>
+            <a:lstStyle/>
+            <a:p>
+              <a:pPr algn="ctr"/>
+              <a:endParaRPr lang="en-GB"/>
+            </a:p>
+          </p:txBody>
+        </p:sp>
+        <p:sp>
+          <p:nvSpPr>
+            <p:cNvPr id="80" name="ZoneTexte 79">
+              <a:extLst>
+                <a:ext uri="{FF2B5EF4-FFF2-40B4-BE49-F238E27FC236}">
+                  <a16:creationId xmlns:a16="http://schemas.microsoft.com/office/drawing/2014/main" id="{8537C3CA-E75A-CE4E-9404-64F2337FA39A}"/>
+                </a:ext>
+              </a:extLst>
+            </p:cNvPr>
+            <p:cNvSpPr txBox="1"/>
+            <p:nvPr/>
+          </p:nvSpPr>
+          <p:spPr>
+            <a:xfrm>
+              <a:off x="8536107" y="591336"/>
+              <a:ext cx="1794081" cy="369332"/>
+            </a:xfrm>
+            <a:prstGeom prst="rect">
+              <a:avLst/>
+            </a:prstGeom>
+            <a:noFill/>
+          </p:spPr>
+          <p:txBody>
+            <a:bodyPr wrap="none" rtlCol="0">
+              <a:spAutoFit/>
+            </a:bodyPr>
+            <a:lstStyle/>
+            <a:p>
+              <a:r>
+                <a:rPr lang="en-GB"/>
+                <a:t>Common Activity</a:t>
+              </a:r>
+            </a:p>
+          </p:txBody>
+        </p:sp>
+        <p:cxnSp>
+          <p:nvCxnSpPr>
+            <p:cNvPr id="82" name="Connecteur droit avec flèche 81">
+              <a:extLst>
+                <a:ext uri="{FF2B5EF4-FFF2-40B4-BE49-F238E27FC236}">
+                  <a16:creationId xmlns:a16="http://schemas.microsoft.com/office/drawing/2014/main" id="{FE21FBC5-3DE3-A44A-9708-FEE68C946665}"/>
+                </a:ext>
+              </a:extLst>
+            </p:cNvPr>
+            <p:cNvCxnSpPr>
+              <a:cxnSpLocks/>
+            </p:cNvCxnSpPr>
+            <p:nvPr/>
+          </p:nvCxnSpPr>
+          <p:spPr>
+            <a:xfrm>
+              <a:off x="7960517" y="2498767"/>
+              <a:ext cx="440529" cy="0"/>
+            </a:xfrm>
+            <a:prstGeom prst="straightConnector1">
+              <a:avLst/>
+            </a:prstGeom>
+            <a:ln>
+              <a:prstDash val="dash"/>
+              <a:headEnd type="stealth" w="lg" len="lg"/>
+              <a:tailEnd type="stealth" w="lg" len="lg"/>
+            </a:ln>
+          </p:spPr>
+          <p:style>
+            <a:lnRef idx="2">
+              <a:schemeClr val="dk1"/>
+            </a:lnRef>
+            <a:fillRef idx="0">
+              <a:schemeClr val="dk1"/>
+            </a:fillRef>
+            <a:effectRef idx="1">
+              <a:schemeClr val="dk1"/>
+            </a:effectRef>
+            <a:fontRef idx="minor">
               <a:schemeClr val="tx1"/>
-            </a:solidFill>
-            <a:headEnd type="triangle"/>
-            <a:tailEnd type="triangle"/>
-          </a:ln>
-        </p:spPr>
-        <p:style>
-          <a:lnRef idx="1">
-            <a:schemeClr val="accent1"/>
-          </a:lnRef>
-          <a:fillRef idx="0">
-            <a:schemeClr val="accent1"/>
-          </a:fillRef>
-          <a:effectRef idx="0">
-            <a:schemeClr val="accent1"/>
-          </a:effectRef>
-          <a:fontRef idx="minor">
-            <a:schemeClr val="tx1"/>
-          </a:fontRef>
-        </p:style>
-      </p:cxnSp>
-      <p:sp>
-        <p:nvSpPr>
-          <p:cNvPr id="39" name="ZoneTexte 38">
-            <a:extLst>
-              <a:ext uri="{FF2B5EF4-FFF2-40B4-BE49-F238E27FC236}">
-                <a16:creationId xmlns:a16="http://schemas.microsoft.com/office/drawing/2014/main" id="{18C9E240-96B5-1E40-97A7-D54DE43FFB3A}"/>
-              </a:ext>
-            </a:extLst>
-          </p:cNvPr>
-          <p:cNvSpPr txBox="1"/>
-          <p:nvPr/>
-        </p:nvSpPr>
-        <p:spPr>
-          <a:xfrm>
-            <a:off x="5314606" y="1253377"/>
-            <a:ext cx="1424685" cy="369332"/>
-          </a:xfrm>
-          <a:prstGeom prst="rect">
-            <a:avLst/>
-          </a:prstGeom>
-          <a:noFill/>
-        </p:spPr>
-        <p:txBody>
-          <a:bodyPr wrap="none" rtlCol="0">
-            <a:spAutoFit/>
-          </a:bodyPr>
-          <a:lstStyle/>
-          <a:p>
-            <a:r>
-              <a:rPr lang="fr-FR" dirty="0"/>
-              <a:t>Player/Coach</a:t>
-            </a:r>
-          </a:p>
-        </p:txBody>
-      </p:sp>
+            </a:fontRef>
+          </p:style>
+        </p:cxnSp>
+        <p:sp>
+          <p:nvSpPr>
+            <p:cNvPr id="83" name="Rectangle 82">
+              <a:extLst>
+                <a:ext uri="{FF2B5EF4-FFF2-40B4-BE49-F238E27FC236}">
+                  <a16:creationId xmlns:a16="http://schemas.microsoft.com/office/drawing/2014/main" id="{DA06A66A-8A6A-6E4A-A4CB-9D2D3A5FA7A9}"/>
+                </a:ext>
+              </a:extLst>
+            </p:cNvPr>
+            <p:cNvSpPr/>
+            <p:nvPr/>
+          </p:nvSpPr>
+          <p:spPr>
+            <a:xfrm>
+              <a:off x="7786688" y="385763"/>
+              <a:ext cx="3056717" cy="2271716"/>
+            </a:xfrm>
+            <a:prstGeom prst="rect">
+              <a:avLst/>
+            </a:prstGeom>
+            <a:noFill/>
+            <a:ln>
+              <a:solidFill>
+                <a:schemeClr val="tx1"/>
+              </a:solidFill>
+            </a:ln>
+          </p:spPr>
+          <p:style>
+            <a:lnRef idx="2">
+              <a:schemeClr val="accent1">
+                <a:shade val="50000"/>
+              </a:schemeClr>
+            </a:lnRef>
+            <a:fillRef idx="1">
+              <a:schemeClr val="accent1"/>
+            </a:fillRef>
+            <a:effectRef idx="0">
+              <a:schemeClr val="accent1"/>
+            </a:effectRef>
+            <a:fontRef idx="minor">
+              <a:schemeClr val="lt1"/>
+            </a:fontRef>
+          </p:style>
+          <p:txBody>
+            <a:bodyPr rtlCol="0" anchor="ctr"/>
+            <a:lstStyle/>
+            <a:p>
+              <a:pPr algn="ctr"/>
+              <a:endParaRPr lang="en-GB"/>
+            </a:p>
+          </p:txBody>
+        </p:sp>
+      </p:grpSp>
     </p:spTree>
     <p:extLst>
       <p:ext uri="{BB962C8B-B14F-4D97-AF65-F5344CB8AC3E}">
